--- a/modal/recruit.pptx
+++ b/modal/recruit.pptx
@@ -107,6 +107,11 @@
       </a:defRPr>
     </a:lvl9pPr>
   </p:defaultTextStyle>
+  <p:extLst>
+    <p:ext uri="{EFAFB233-063F-42B5-8137-9DF3F51BA10A}">
+      <p15:sldGuideLst xmlns:p15="http://schemas.microsoft.com/office/powerpoint/2012/main"/>
+    </p:ext>
+  </p:extLst>
 </p:presentation>
 </file>
 
@@ -4673,7 +4678,7 @@
                     <a:latin typeface="경기천년제목 Light" panose="02020403020101020101" pitchFamily="18" charset="-127"/>
                     <a:ea typeface="경기천년제목 Light" panose="02020403020101020101" pitchFamily="18" charset="-127"/>
                   </a:rPr>
-                  <a:t>[선택] 관련 분야 연구 기</a:t>
+                  <a:t>[선택] 관련 분야 연구 경험 및 성과 자료</a:t>
                 </a:r>
               </a:p>
             </p:txBody>

--- a/modal/recruit.pptx
+++ b/modal/recruit.pptx
@@ -197,7 +197,7 @@
           <a:p>
             <a:fld id="{53EF344A-9A82-4D71-8E8C-390BC4366101}" type="datetimeFigureOut">
               <a:rPr lang="ko-KR" altLang="en-US" smtClean="0"/>
-              <a:t>2025-05-03</a:t>
+              <a:t>2025-05-04</a:t>
             </a:fld>
             <a:endParaRPr lang="ko-KR" altLang="en-US"/>
           </a:p>
@@ -695,7 +695,7 @@
           <a:p>
             <a:fld id="{B353C1CC-EDC6-4CF0-AE44-37B36B965CB1}" type="datetimeFigureOut">
               <a:rPr lang="ko-KR" altLang="en-US" smtClean="0"/>
-              <a:t>2025-05-03</a:t>
+              <a:t>2025-05-04</a:t>
             </a:fld>
             <a:endParaRPr lang="ko-KR" altLang="en-US"/>
           </a:p>
@@ -893,7 +893,7 @@
           <a:p>
             <a:fld id="{B353C1CC-EDC6-4CF0-AE44-37B36B965CB1}" type="datetimeFigureOut">
               <a:rPr lang="ko-KR" altLang="en-US" smtClean="0"/>
-              <a:t>2025-05-03</a:t>
+              <a:t>2025-05-04</a:t>
             </a:fld>
             <a:endParaRPr lang="ko-KR" altLang="en-US"/>
           </a:p>
@@ -1101,7 +1101,7 @@
           <a:p>
             <a:fld id="{B353C1CC-EDC6-4CF0-AE44-37B36B965CB1}" type="datetimeFigureOut">
               <a:rPr lang="ko-KR" altLang="en-US" smtClean="0"/>
-              <a:t>2025-05-03</a:t>
+              <a:t>2025-05-04</a:t>
             </a:fld>
             <a:endParaRPr lang="ko-KR" altLang="en-US"/>
           </a:p>
@@ -1299,7 +1299,7 @@
           <a:p>
             <a:fld id="{B353C1CC-EDC6-4CF0-AE44-37B36B965CB1}" type="datetimeFigureOut">
               <a:rPr lang="ko-KR" altLang="en-US" smtClean="0"/>
-              <a:t>2025-05-03</a:t>
+              <a:t>2025-05-04</a:t>
             </a:fld>
             <a:endParaRPr lang="ko-KR" altLang="en-US"/>
           </a:p>
@@ -1574,7 +1574,7 @@
           <a:p>
             <a:fld id="{B353C1CC-EDC6-4CF0-AE44-37B36B965CB1}" type="datetimeFigureOut">
               <a:rPr lang="ko-KR" altLang="en-US" smtClean="0"/>
-              <a:t>2025-05-03</a:t>
+              <a:t>2025-05-04</a:t>
             </a:fld>
             <a:endParaRPr lang="ko-KR" altLang="en-US"/>
           </a:p>
@@ -1839,7 +1839,7 @@
           <a:p>
             <a:fld id="{B353C1CC-EDC6-4CF0-AE44-37B36B965CB1}" type="datetimeFigureOut">
               <a:rPr lang="ko-KR" altLang="en-US" smtClean="0"/>
-              <a:t>2025-05-03</a:t>
+              <a:t>2025-05-04</a:t>
             </a:fld>
             <a:endParaRPr lang="ko-KR" altLang="en-US"/>
           </a:p>
@@ -2251,7 +2251,7 @@
           <a:p>
             <a:fld id="{B353C1CC-EDC6-4CF0-AE44-37B36B965CB1}" type="datetimeFigureOut">
               <a:rPr lang="ko-KR" altLang="en-US" smtClean="0"/>
-              <a:t>2025-05-03</a:t>
+              <a:t>2025-05-04</a:t>
             </a:fld>
             <a:endParaRPr lang="ko-KR" altLang="en-US"/>
           </a:p>
@@ -2392,7 +2392,7 @@
           <a:p>
             <a:fld id="{B353C1CC-EDC6-4CF0-AE44-37B36B965CB1}" type="datetimeFigureOut">
               <a:rPr lang="ko-KR" altLang="en-US" smtClean="0"/>
-              <a:t>2025-05-03</a:t>
+              <a:t>2025-05-04</a:t>
             </a:fld>
             <a:endParaRPr lang="ko-KR" altLang="en-US"/>
           </a:p>
@@ -2505,7 +2505,7 @@
           <a:p>
             <a:fld id="{B353C1CC-EDC6-4CF0-AE44-37B36B965CB1}" type="datetimeFigureOut">
               <a:rPr lang="ko-KR" altLang="en-US" smtClean="0"/>
-              <a:t>2025-05-03</a:t>
+              <a:t>2025-05-04</a:t>
             </a:fld>
             <a:endParaRPr lang="ko-KR" altLang="en-US"/>
           </a:p>
@@ -2816,7 +2816,7 @@
           <a:p>
             <a:fld id="{B353C1CC-EDC6-4CF0-AE44-37B36B965CB1}" type="datetimeFigureOut">
               <a:rPr lang="ko-KR" altLang="en-US" smtClean="0"/>
-              <a:t>2025-05-03</a:t>
+              <a:t>2025-05-04</a:t>
             </a:fld>
             <a:endParaRPr lang="ko-KR" altLang="en-US"/>
           </a:p>
@@ -3104,7 +3104,7 @@
           <a:p>
             <a:fld id="{B353C1CC-EDC6-4CF0-AE44-37B36B965CB1}" type="datetimeFigureOut">
               <a:rPr lang="ko-KR" altLang="en-US" smtClean="0"/>
-              <a:t>2025-05-03</a:t>
+              <a:t>2025-05-04</a:t>
             </a:fld>
             <a:endParaRPr lang="ko-KR" altLang="en-US"/>
           </a:p>
@@ -3345,7 +3345,7 @@
           <a:p>
             <a:fld id="{B353C1CC-EDC6-4CF0-AE44-37B36B965CB1}" type="datetimeFigureOut">
               <a:rPr lang="ko-KR" altLang="en-US" smtClean="0"/>
-              <a:t>2025-05-03</a:t>
+              <a:t>2025-05-04</a:t>
             </a:fld>
             <a:endParaRPr lang="ko-KR" altLang="en-US"/>
           </a:p>
@@ -4473,7 +4473,47 @@
                     <a:latin typeface="경기천년제목 Light" panose="02020403020101020101" pitchFamily="18" charset="-127"/>
                     <a:ea typeface="경기천년제목 Light" panose="02020403020101020101" pitchFamily="18" charset="-127"/>
                   </a:rPr>
-                  <a:t>2025년 9월부터 박사과정 혹은 석박사통합과정을 시작할 학생을 찾습니다.</a:t>
+                  <a:t>2025년 9월부터 석사</a:t>
+                </a:r>
+                <a:r>
+                  <a:rPr lang="en-US" altLang="ko-KR" sz="1000" dirty="0">
+                    <a:solidFill>
+                      <a:schemeClr val="bg1"/>
+                    </a:solidFill>
+                    <a:latin typeface="경기천년제목 Light" panose="02020403020101020101" pitchFamily="18" charset="-127"/>
+                    <a:ea typeface="경기천년제목 Light" panose="02020403020101020101" pitchFamily="18" charset="-127"/>
+                  </a:rPr>
+                  <a:t>/</a:t>
+                </a:r>
+                <a:r>
+                  <a:rPr lang="ko-KR" altLang="en-US" sz="1000" dirty="0">
+                    <a:solidFill>
+                      <a:schemeClr val="bg1"/>
+                    </a:solidFill>
+                    <a:latin typeface="경기천년제목 Light" panose="02020403020101020101" pitchFamily="18" charset="-127"/>
+                    <a:ea typeface="경기천년제목 Light" panose="02020403020101020101" pitchFamily="18" charset="-127"/>
+                  </a:rPr>
+                  <a:t> 석박사통합</a:t>
+                </a:r>
+                <a:r>
+                  <a:rPr lang="en-US" altLang="ko-KR" sz="1000" dirty="0">
+                    <a:solidFill>
+                      <a:schemeClr val="bg1"/>
+                    </a:solidFill>
+                    <a:latin typeface="경기천년제목 Light" panose="02020403020101020101" pitchFamily="18" charset="-127"/>
+                    <a:ea typeface="경기천년제목 Light" panose="02020403020101020101" pitchFamily="18" charset="-127"/>
+                  </a:rPr>
+                  <a:t>/</a:t>
+                </a:r>
+                <a:r>
+                  <a:rPr lang="ko-KR" altLang="en-US" sz="1000" dirty="0">
+                    <a:solidFill>
+                      <a:schemeClr val="bg1"/>
+                    </a:solidFill>
+                    <a:latin typeface="경기천년제목 Light" panose="02020403020101020101" pitchFamily="18" charset="-127"/>
+                    <a:ea typeface="경기천년제목 Light" panose="02020403020101020101" pitchFamily="18" charset="-127"/>
+                  </a:rPr>
+                  <a:t>박사과정을 시작할 학생을 찾습니다.</a:t>
                 </a:r>
               </a:p>
               <a:p>
@@ -4849,47 +4889,7 @@
                     <a:latin typeface="경기천년제목 Light" panose="02020403020101020101" pitchFamily="18" charset="-127"/>
                     <a:ea typeface="경기천년제목 Light" panose="02020403020101020101" pitchFamily="18" charset="-127"/>
                   </a:rPr>
-                  <a:t>연구 인건비 지급 (석사: </a:t>
-                </a:r>
-                <a:r>
-                  <a:rPr lang="ko-KR" altLang="en-US" sz="1000" dirty="0" err="1">
-                    <a:solidFill>
-                      <a:schemeClr val="bg1"/>
-                    </a:solidFill>
-                    <a:latin typeface="경기천년제목 Light" panose="02020403020101020101" pitchFamily="18" charset="-127"/>
-                    <a:ea typeface="경기천년제목 Light" panose="02020403020101020101" pitchFamily="18" charset="-127"/>
-                  </a:rPr>
-                  <a:t>N원</a:t>
-                </a:r>
-                <a:r>
-                  <a:rPr lang="ko-KR" altLang="en-US" sz="1000" dirty="0">
-                    <a:solidFill>
-                      <a:schemeClr val="bg1"/>
-                    </a:solidFill>
-                    <a:latin typeface="경기천년제목 Light" panose="02020403020101020101" pitchFamily="18" charset="-127"/>
-                    <a:ea typeface="경기천년제목 Light" panose="02020403020101020101" pitchFamily="18" charset="-127"/>
-                  </a:rPr>
-                  <a:t> 이상, 박사: </a:t>
-                </a:r>
-                <a:r>
-                  <a:rPr lang="ko-KR" altLang="en-US" sz="1000" dirty="0" err="1">
-                    <a:solidFill>
-                      <a:schemeClr val="bg1"/>
-                    </a:solidFill>
-                    <a:latin typeface="경기천년제목 Light" panose="02020403020101020101" pitchFamily="18" charset="-127"/>
-                    <a:ea typeface="경기천년제목 Light" panose="02020403020101020101" pitchFamily="18" charset="-127"/>
-                  </a:rPr>
-                  <a:t>N원</a:t>
-                </a:r>
-                <a:r>
-                  <a:rPr lang="ko-KR" altLang="en-US" sz="1000" dirty="0">
-                    <a:solidFill>
-                      <a:schemeClr val="bg1"/>
-                    </a:solidFill>
-                    <a:latin typeface="경기천년제목 Light" panose="02020403020101020101" pitchFamily="18" charset="-127"/>
-                    <a:ea typeface="경기천년제목 Light" panose="02020403020101020101" pitchFamily="18" charset="-127"/>
-                  </a:rPr>
-                  <a:t> 이상)</a:t>
+                  <a:t>연구 인건비 지급 (타연구실 대비 상위)</a:t>
                 </a:r>
               </a:p>
               <a:p>
